--- a/Slides/hydrosheds_vs_SR_v16.pptx
+++ b/Slides/hydrosheds_vs_SR_v16.pptx
@@ -208,7 +208,7 @@
           <a:p>
             <a:fld id="{B51A1AE2-D446-774A-91B6-0966651722C0}" type="datetimeFigureOut">
               <a:rPr lang="en-US" smtClean="0"/>
-              <a:t>1/23/23</a:t>
+              <a:t>1/24/23</a:t>
             </a:fld>
             <a:endParaRPr lang="en-US"/>
           </a:p>
@@ -519,92 +519,34 @@
           <a:bodyPr/>
           <a:lstStyle/>
           <a:p>
-            <a:pPr marL="171450" indent="-171450">
-              <a:buFont typeface="Arial" panose="020B0604020202020204" pitchFamily="34" charset="0"/>
-              <a:buChar char="•"/>
+            <a:pPr marL="0" marR="0" lvl="0" indent="0" algn="l" defTabSz="914400" rtl="0" eaLnBrk="1" fontAlgn="auto" latinLnBrk="0" hangingPunct="1">
+              <a:lnSpc>
+                <a:spcPct val="100000"/>
+              </a:lnSpc>
+              <a:spcBef>
+                <a:spcPts val="0"/>
+              </a:spcBef>
+              <a:spcAft>
+                <a:spcPts val="0"/>
+              </a:spcAft>
+              <a:buClrTx/>
+              <a:buSzTx/>
+              <a:buFontTx/>
+              <a:buNone/>
+              <a:tabLst/>
+              <a:defRPr/>
             </a:pPr>
             <a:r>
               <a:rPr lang="en-US" dirty="0"/>
-              <a:t>https://</a:t>
-            </a:r>
-            <a:r>
-              <a:rPr lang="en-US" dirty="0" err="1"/>
-              <a:t>towardsdatascience.com</a:t>
-            </a:r>
-            <a:r>
-              <a:rPr lang="en-US" dirty="0"/>
-              <a:t>/what-are-pca-loadings-and-biplots-9a7897f2e559</a:t>
-            </a:r>
-          </a:p>
-          <a:p>
-            <a:pPr marL="171450" indent="-171450">
-              <a:buFont typeface="Arial" panose="020B0604020202020204" pitchFamily="34" charset="0"/>
-              <a:buChar char="•"/>
-            </a:pPr>
-            <a:r>
-              <a:rPr lang="en-US" dirty="0"/>
-              <a:t>https://</a:t>
-            </a:r>
-            <a:r>
-              <a:rPr lang="en-US" dirty="0" err="1"/>
-              <a:t>www.frontiersin.org</a:t>
-            </a:r>
-            <a:r>
-              <a:rPr lang="en-US" dirty="0"/>
-              <a:t>/files/Articles/1003159/frwa-04-1003159-HTML/</a:t>
-            </a:r>
-            <a:r>
-              <a:rPr lang="en-US" dirty="0" err="1"/>
-              <a:t>image_m</a:t>
-            </a:r>
-            <a:r>
-              <a:rPr lang="en-US" dirty="0"/>
-              <a:t>/frwa-04-1003159-g005.jpg</a:t>
-            </a:r>
-          </a:p>
-          <a:p>
-            <a:pPr marL="171450" indent="-171450">
-              <a:buFont typeface="Arial" panose="020B0604020202020204" pitchFamily="34" charset="0"/>
-              <a:buChar char="•"/>
-            </a:pPr>
-            <a:r>
-              <a:rPr lang="en-US" dirty="0"/>
-              <a:t>https://</a:t>
-            </a:r>
-            <a:r>
-              <a:rPr lang="en-US" dirty="0" err="1"/>
-              <a:t>www.jcchouinard.com</a:t>
-            </a:r>
-            <a:r>
-              <a:rPr lang="en-US" dirty="0"/>
-              <a:t>/</a:t>
-            </a:r>
-            <a:r>
-              <a:rPr lang="en-US" dirty="0" err="1"/>
-              <a:t>pca</a:t>
-            </a:r>
-            <a:r>
-              <a:rPr lang="en-US" dirty="0"/>
-              <a:t>-with-python/</a:t>
-            </a:r>
-          </a:p>
-          <a:p>
-            <a:pPr marL="171450" indent="-171450">
-              <a:buFont typeface="Arial" panose="020B0604020202020204" pitchFamily="34" charset="0"/>
-              <a:buChar char="•"/>
-            </a:pPr>
-            <a:r>
-              <a:rPr lang="en-US" dirty="0"/>
-              <a:t>https://</a:t>
-            </a:r>
-            <a:r>
-              <a:rPr lang="en-US" dirty="0" err="1"/>
-              <a:t>stackoverflow.com</a:t>
-            </a:r>
-            <a:r>
-              <a:rPr lang="en-US" dirty="0"/>
-              <a:t>/questions/39216897/plot-pca-loadings-and-loading-in-biplot-in-sklearn-like-rs-autoplot</a:t>
-            </a:r>
+              <a:t>Significance of explanatory variables </a:t>
+            </a:r>
+            <a:r>
+              <a:rPr lang="en-US" dirty="0">
+                <a:sym typeface="Wingdings" pitchFamily="2" charset="2"/>
+              </a:rPr>
+              <a:t> Effect of random seed on the loading matrix importance.</a:t>
+            </a:r>
+            <a:endParaRPr lang="en-US" dirty="0"/>
           </a:p>
         </p:txBody>
       </p:sp>
@@ -625,7 +567,7 @@
           <a:p>
             <a:fld id="{44D6F41A-3615-7947-B232-79BE6F1E2C8C}" type="slidenum">
               <a:rPr lang="en-US" smtClean="0"/>
-              <a:t>4</a:t>
+              <a:t>1</a:t>
             </a:fld>
             <a:endParaRPr lang="en-US"/>
           </a:p>
@@ -634,7 +576,7 @@
     </p:spTree>
     <p:extLst>
       <p:ext uri="{BB962C8B-B14F-4D97-AF65-F5344CB8AC3E}">
-        <p14:creationId xmlns:p14="http://schemas.microsoft.com/office/powerpoint/2010/main" val="1620215981"/>
+        <p14:creationId xmlns:p14="http://schemas.microsoft.com/office/powerpoint/2010/main" val="3232202515"/>
       </p:ext>
     </p:extLst>
   </p:cSld>
@@ -775,6 +717,30 @@
               <a:t>/questions/39216897/plot-pca-loadings-and-loading-in-biplot-in-sklearn-like-rs-autoplot</a:t>
             </a:r>
           </a:p>
+          <a:p>
+            <a:pPr marL="171450" indent="-171450">
+              <a:buFont typeface="Arial" panose="020B0604020202020204" pitchFamily="34" charset="0"/>
+              <a:buChar char="•"/>
+            </a:pPr>
+            <a:endParaRPr lang="en-US" dirty="0"/>
+          </a:p>
+          <a:p>
+            <a:pPr marL="171450" indent="-171450">
+              <a:buFont typeface="Arial" panose="020B0604020202020204" pitchFamily="34" charset="0"/>
+              <a:buChar char="•"/>
+            </a:pPr>
+            <a:r>
+              <a:rPr lang="en-US" dirty="0"/>
+              <a:t>Significance of explanatory variables </a:t>
+            </a:r>
+            <a:r>
+              <a:rPr lang="en-US" dirty="0">
+                <a:sym typeface="Wingdings" pitchFamily="2" charset="2"/>
+              </a:rPr>
+              <a:t> Effect of random seed on the loading matrix importance.</a:t>
+            </a:r>
+            <a:endParaRPr lang="en-US" dirty="0"/>
+          </a:p>
         </p:txBody>
       </p:sp>
       <p:sp>
@@ -794,7 +760,7 @@
           <a:p>
             <a:fld id="{44D6F41A-3615-7947-B232-79BE6F1E2C8C}" type="slidenum">
               <a:rPr lang="en-US" smtClean="0"/>
-              <a:t>5</a:t>
+              <a:t>4</a:t>
             </a:fld>
             <a:endParaRPr lang="en-US"/>
           </a:p>
@@ -803,7 +769,7 @@
     </p:spTree>
     <p:extLst>
       <p:ext uri="{BB962C8B-B14F-4D97-AF65-F5344CB8AC3E}">
-        <p14:creationId xmlns:p14="http://schemas.microsoft.com/office/powerpoint/2010/main" val="1564523389"/>
+        <p14:creationId xmlns:p14="http://schemas.microsoft.com/office/powerpoint/2010/main" val="1620215981"/>
       </p:ext>
     </p:extLst>
   </p:cSld>
@@ -963,7 +929,7 @@
           <a:p>
             <a:fld id="{44D6F41A-3615-7947-B232-79BE6F1E2C8C}" type="slidenum">
               <a:rPr lang="en-US" smtClean="0"/>
-              <a:t>6</a:t>
+              <a:t>5</a:t>
             </a:fld>
             <a:endParaRPr lang="en-US"/>
           </a:p>
@@ -972,7 +938,7 @@
     </p:spTree>
     <p:extLst>
       <p:ext uri="{BB962C8B-B14F-4D97-AF65-F5344CB8AC3E}">
-        <p14:creationId xmlns:p14="http://schemas.microsoft.com/office/powerpoint/2010/main" val="2358400265"/>
+        <p14:creationId xmlns:p14="http://schemas.microsoft.com/office/powerpoint/2010/main" val="1564523389"/>
       </p:ext>
     </p:extLst>
   </p:cSld>
@@ -1132,7 +1098,7 @@
           <a:p>
             <a:fld id="{44D6F41A-3615-7947-B232-79BE6F1E2C8C}" type="slidenum">
               <a:rPr lang="en-US" smtClean="0"/>
-              <a:t>7</a:t>
+              <a:t>6</a:t>
             </a:fld>
             <a:endParaRPr lang="en-US"/>
           </a:p>
@@ -1141,7 +1107,7 @@
     </p:spTree>
     <p:extLst>
       <p:ext uri="{BB962C8B-B14F-4D97-AF65-F5344CB8AC3E}">
-        <p14:creationId xmlns:p14="http://schemas.microsoft.com/office/powerpoint/2010/main" val="2785265718"/>
+        <p14:creationId xmlns:p14="http://schemas.microsoft.com/office/powerpoint/2010/main" val="2358400265"/>
       </p:ext>
     </p:extLst>
   </p:cSld>
@@ -1301,7 +1267,7 @@
           <a:p>
             <a:fld id="{44D6F41A-3615-7947-B232-79BE6F1E2C8C}" type="slidenum">
               <a:rPr lang="en-US" smtClean="0"/>
-              <a:t>8</a:t>
+              <a:t>7</a:t>
             </a:fld>
             <a:endParaRPr lang="en-US"/>
           </a:p>
@@ -1310,7 +1276,7 @@
     </p:spTree>
     <p:extLst>
       <p:ext uri="{BB962C8B-B14F-4D97-AF65-F5344CB8AC3E}">
-        <p14:creationId xmlns:p14="http://schemas.microsoft.com/office/powerpoint/2010/main" val="3641917537"/>
+        <p14:creationId xmlns:p14="http://schemas.microsoft.com/office/powerpoint/2010/main" val="2785265718"/>
       </p:ext>
     </p:extLst>
   </p:cSld>
@@ -1470,6 +1436,175 @@
           <a:p>
             <a:fld id="{44D6F41A-3615-7947-B232-79BE6F1E2C8C}" type="slidenum">
               <a:rPr lang="en-US" smtClean="0"/>
+              <a:t>8</a:t>
+            </a:fld>
+            <a:endParaRPr lang="en-US"/>
+          </a:p>
+        </p:txBody>
+      </p:sp>
+    </p:spTree>
+    <p:extLst>
+      <p:ext uri="{BB962C8B-B14F-4D97-AF65-F5344CB8AC3E}">
+        <p14:creationId xmlns:p14="http://schemas.microsoft.com/office/powerpoint/2010/main" val="3641917537"/>
+      </p:ext>
+    </p:extLst>
+  </p:cSld>
+  <p:clrMapOvr>
+    <a:masterClrMapping/>
+  </p:clrMapOvr>
+</p:notes>
+</file>
+
+<file path=ppt/notesSlides/notesSlide7.xml><?xml version="1.0" encoding="utf-8"?>
+<p:notes xmlns:a="http://schemas.openxmlformats.org/drawingml/2006/main" xmlns:r="http://schemas.openxmlformats.org/officeDocument/2006/relationships" xmlns:p="http://schemas.openxmlformats.org/presentationml/2006/main">
+  <p:cSld>
+    <p:spTree>
+      <p:nvGrpSpPr>
+        <p:cNvPr id="1" name=""/>
+        <p:cNvGrpSpPr/>
+        <p:nvPr/>
+      </p:nvGrpSpPr>
+      <p:grpSpPr>
+        <a:xfrm>
+          <a:off x="0" y="0"/>
+          <a:ext cx="0" cy="0"/>
+          <a:chOff x="0" y="0"/>
+          <a:chExt cx="0" cy="0"/>
+        </a:xfrm>
+      </p:grpSpPr>
+      <p:sp>
+        <p:nvSpPr>
+          <p:cNvPr id="2" name="Slide Image Placeholder 1"/>
+          <p:cNvSpPr>
+            <a:spLocks noGrp="1" noRot="1" noChangeAspect="1"/>
+          </p:cNvSpPr>
+          <p:nvPr>
+            <p:ph type="sldImg"/>
+          </p:nvPr>
+        </p:nvSpPr>
+        <p:spPr/>
+      </p:sp>
+      <p:sp>
+        <p:nvSpPr>
+          <p:cNvPr id="3" name="Notes Placeholder 2"/>
+          <p:cNvSpPr>
+            <a:spLocks noGrp="1"/>
+          </p:cNvSpPr>
+          <p:nvPr>
+            <p:ph type="body" idx="1"/>
+          </p:nvPr>
+        </p:nvSpPr>
+        <p:spPr/>
+        <p:txBody>
+          <a:bodyPr/>
+          <a:lstStyle/>
+          <a:p>
+            <a:pPr marL="171450" indent="-171450">
+              <a:buFont typeface="Arial" panose="020B0604020202020204" pitchFamily="34" charset="0"/>
+              <a:buChar char="•"/>
+            </a:pPr>
+            <a:r>
+              <a:rPr lang="en-US" dirty="0"/>
+              <a:t>https://</a:t>
+            </a:r>
+            <a:r>
+              <a:rPr lang="en-US" dirty="0" err="1"/>
+              <a:t>towardsdatascience.com</a:t>
+            </a:r>
+            <a:r>
+              <a:rPr lang="en-US" dirty="0"/>
+              <a:t>/what-are-pca-loadings-and-biplots-9a7897f2e559</a:t>
+            </a:r>
+          </a:p>
+          <a:p>
+            <a:pPr marL="171450" indent="-171450">
+              <a:buFont typeface="Arial" panose="020B0604020202020204" pitchFamily="34" charset="0"/>
+              <a:buChar char="•"/>
+            </a:pPr>
+            <a:r>
+              <a:rPr lang="en-US" dirty="0"/>
+              <a:t>https://</a:t>
+            </a:r>
+            <a:r>
+              <a:rPr lang="en-US" dirty="0" err="1"/>
+              <a:t>www.frontiersin.org</a:t>
+            </a:r>
+            <a:r>
+              <a:rPr lang="en-US" dirty="0"/>
+              <a:t>/files/Articles/1003159/frwa-04-1003159-HTML/</a:t>
+            </a:r>
+            <a:r>
+              <a:rPr lang="en-US" dirty="0" err="1"/>
+              <a:t>image_m</a:t>
+            </a:r>
+            <a:r>
+              <a:rPr lang="en-US" dirty="0"/>
+              <a:t>/frwa-04-1003159-g005.jpg</a:t>
+            </a:r>
+          </a:p>
+          <a:p>
+            <a:pPr marL="171450" indent="-171450">
+              <a:buFont typeface="Arial" panose="020B0604020202020204" pitchFamily="34" charset="0"/>
+              <a:buChar char="•"/>
+            </a:pPr>
+            <a:r>
+              <a:rPr lang="en-US" dirty="0"/>
+              <a:t>https://</a:t>
+            </a:r>
+            <a:r>
+              <a:rPr lang="en-US" dirty="0" err="1"/>
+              <a:t>www.jcchouinard.com</a:t>
+            </a:r>
+            <a:r>
+              <a:rPr lang="en-US" dirty="0"/>
+              <a:t>/</a:t>
+            </a:r>
+            <a:r>
+              <a:rPr lang="en-US" dirty="0" err="1"/>
+              <a:t>pca</a:t>
+            </a:r>
+            <a:r>
+              <a:rPr lang="en-US" dirty="0"/>
+              <a:t>-with-python/</a:t>
+            </a:r>
+          </a:p>
+          <a:p>
+            <a:pPr marL="171450" indent="-171450">
+              <a:buFont typeface="Arial" panose="020B0604020202020204" pitchFamily="34" charset="0"/>
+              <a:buChar char="•"/>
+            </a:pPr>
+            <a:r>
+              <a:rPr lang="en-US" dirty="0"/>
+              <a:t>https://</a:t>
+            </a:r>
+            <a:r>
+              <a:rPr lang="en-US" dirty="0" err="1"/>
+              <a:t>stackoverflow.com</a:t>
+            </a:r>
+            <a:r>
+              <a:rPr lang="en-US" dirty="0"/>
+              <a:t>/questions/39216897/plot-pca-loadings-and-loading-in-biplot-in-sklearn-like-rs-autoplot</a:t>
+            </a:r>
+          </a:p>
+        </p:txBody>
+      </p:sp>
+      <p:sp>
+        <p:nvSpPr>
+          <p:cNvPr id="4" name="Slide Number Placeholder 3"/>
+          <p:cNvSpPr>
+            <a:spLocks noGrp="1"/>
+          </p:cNvSpPr>
+          <p:nvPr>
+            <p:ph type="sldNum" sz="quarter" idx="5"/>
+          </p:nvPr>
+        </p:nvSpPr>
+        <p:spPr/>
+        <p:txBody>
+          <a:bodyPr/>
+          <a:lstStyle/>
+          <a:p>
+            <a:fld id="{44D6F41A-3615-7947-B232-79BE6F1E2C8C}" type="slidenum">
+              <a:rPr lang="en-US" smtClean="0"/>
               <a:t>9</a:t>
             </a:fld>
             <a:endParaRPr lang="en-US"/>
@@ -1489,7 +1624,7 @@
 </p:notes>
 </file>
 
-<file path=ppt/notesSlides/notesSlide7.xml><?xml version="1.0" encoding="utf-8"?>
+<file path=ppt/notesSlides/notesSlide8.xml><?xml version="1.0" encoding="utf-8"?>
 <p:notes xmlns:a="http://schemas.openxmlformats.org/drawingml/2006/main" xmlns:r="http://schemas.openxmlformats.org/officeDocument/2006/relationships" xmlns:p="http://schemas.openxmlformats.org/presentationml/2006/main">
   <p:cSld>
     <p:spTree>
@@ -1805,7 +1940,7 @@
           <a:p>
             <a:fld id="{DB3DA513-DE4B-3447-9F45-93A1538434A8}" type="datetimeFigureOut">
               <a:rPr lang="en-US" smtClean="0"/>
-              <a:t>1/23/23</a:t>
+              <a:t>1/24/23</a:t>
             </a:fld>
             <a:endParaRPr lang="en-US"/>
           </a:p>
@@ -2003,7 +2138,7 @@
           <a:p>
             <a:fld id="{DB3DA513-DE4B-3447-9F45-93A1538434A8}" type="datetimeFigureOut">
               <a:rPr lang="en-US" smtClean="0"/>
-              <a:t>1/23/23</a:t>
+              <a:t>1/24/23</a:t>
             </a:fld>
             <a:endParaRPr lang="en-US"/>
           </a:p>
@@ -2211,7 +2346,7 @@
           <a:p>
             <a:fld id="{DB3DA513-DE4B-3447-9F45-93A1538434A8}" type="datetimeFigureOut">
               <a:rPr lang="en-US" smtClean="0"/>
-              <a:t>1/23/23</a:t>
+              <a:t>1/24/23</a:t>
             </a:fld>
             <a:endParaRPr lang="en-US"/>
           </a:p>
@@ -2409,7 +2544,7 @@
           <a:p>
             <a:fld id="{DB3DA513-DE4B-3447-9F45-93A1538434A8}" type="datetimeFigureOut">
               <a:rPr lang="en-US" smtClean="0"/>
-              <a:t>1/23/23</a:t>
+              <a:t>1/24/23</a:t>
             </a:fld>
             <a:endParaRPr lang="en-US"/>
           </a:p>
@@ -2684,7 +2819,7 @@
           <a:p>
             <a:fld id="{DB3DA513-DE4B-3447-9F45-93A1538434A8}" type="datetimeFigureOut">
               <a:rPr lang="en-US" smtClean="0"/>
-              <a:t>1/23/23</a:t>
+              <a:t>1/24/23</a:t>
             </a:fld>
             <a:endParaRPr lang="en-US"/>
           </a:p>
@@ -2949,7 +3084,7 @@
           <a:p>
             <a:fld id="{DB3DA513-DE4B-3447-9F45-93A1538434A8}" type="datetimeFigureOut">
               <a:rPr lang="en-US" smtClean="0"/>
-              <a:t>1/23/23</a:t>
+              <a:t>1/24/23</a:t>
             </a:fld>
             <a:endParaRPr lang="en-US"/>
           </a:p>
@@ -3361,7 +3496,7 @@
           <a:p>
             <a:fld id="{DB3DA513-DE4B-3447-9F45-93A1538434A8}" type="datetimeFigureOut">
               <a:rPr lang="en-US" smtClean="0"/>
-              <a:t>1/23/23</a:t>
+              <a:t>1/24/23</a:t>
             </a:fld>
             <a:endParaRPr lang="en-US"/>
           </a:p>
@@ -3502,7 +3637,7 @@
           <a:p>
             <a:fld id="{DB3DA513-DE4B-3447-9F45-93A1538434A8}" type="datetimeFigureOut">
               <a:rPr lang="en-US" smtClean="0"/>
-              <a:t>1/23/23</a:t>
+              <a:t>1/24/23</a:t>
             </a:fld>
             <a:endParaRPr lang="en-US"/>
           </a:p>
@@ -3615,7 +3750,7 @@
           <a:p>
             <a:fld id="{DB3DA513-DE4B-3447-9F45-93A1538434A8}" type="datetimeFigureOut">
               <a:rPr lang="en-US" smtClean="0"/>
-              <a:t>1/23/23</a:t>
+              <a:t>1/24/23</a:t>
             </a:fld>
             <a:endParaRPr lang="en-US"/>
           </a:p>
@@ -3926,7 +4061,7 @@
           <a:p>
             <a:fld id="{DB3DA513-DE4B-3447-9F45-93A1538434A8}" type="datetimeFigureOut">
               <a:rPr lang="en-US" smtClean="0"/>
-              <a:t>1/23/23</a:t>
+              <a:t>1/24/23</a:t>
             </a:fld>
             <a:endParaRPr lang="en-US"/>
           </a:p>
@@ -4214,7 +4349,7 @@
           <a:p>
             <a:fld id="{DB3DA513-DE4B-3447-9F45-93A1538434A8}" type="datetimeFigureOut">
               <a:rPr lang="en-US" smtClean="0"/>
-              <a:t>1/23/23</a:t>
+              <a:t>1/24/23</a:t>
             </a:fld>
             <a:endParaRPr lang="en-US"/>
           </a:p>
@@ -4455,7 +4590,7 @@
           <a:p>
             <a:fld id="{DB3DA513-DE4B-3447-9F45-93A1538434A8}" type="datetimeFigureOut">
               <a:rPr lang="en-US" smtClean="0"/>
-              <a:t>1/23/23</a:t>
+              <a:t>1/24/23</a:t>
             </a:fld>
             <a:endParaRPr lang="en-US"/>
           </a:p>
@@ -4926,8 +5061,8 @@
         </p:nvSpPr>
         <p:spPr>
           <a:xfrm>
-            <a:off x="740780" y="1825624"/>
-            <a:ext cx="10613020" cy="4818243"/>
+            <a:off x="115504" y="1825624"/>
+            <a:ext cx="6862812" cy="4912060"/>
           </a:xfrm>
         </p:spPr>
         <p:txBody>
@@ -4998,7 +5133,7 @@
                 <a:effectLst/>
                 <a:latin typeface="Calibri" panose="020F0502020204030204" pitchFamily="34" charset="0"/>
               </a:rPr>
-              <a:t>)</a:t>
+              <a:t>) -- done</a:t>
             </a:r>
           </a:p>
           <a:p>
@@ -5038,7 +5173,7 @@
                 <a:effectLst/>
                 <a:latin typeface="Calibri" panose="020F0502020204030204" pitchFamily="34" charset="0"/>
               </a:rPr>
-              <a:t>)</a:t>
+              <a:t>) -- done</a:t>
             </a:r>
             <a:endParaRPr lang="en-US" sz="1800" dirty="0">
               <a:effectLst/>
@@ -5492,6 +5627,277 @@
               </a:rPr>
               <a:t> waters-watersheds)</a:t>
             </a:r>
+          </a:p>
+          <a:p>
+            <a:pPr marL="57150" indent="-285750">
+              <a:lnSpc>
+                <a:spcPct val="110000"/>
+              </a:lnSpc>
+              <a:spcBef>
+                <a:spcPts val="0"/>
+              </a:spcBef>
+            </a:pPr>
+            <a:endParaRPr lang="en-US" sz="2200" dirty="0">
+              <a:solidFill>
+                <a:srgbClr val="000000"/>
+              </a:solidFill>
+              <a:effectLst/>
+              <a:latin typeface="Calibri" panose="020F0502020204030204" pitchFamily="34" charset="0"/>
+            </a:endParaRPr>
+          </a:p>
+          <a:p>
+            <a:endParaRPr lang="en-US" dirty="0"/>
+          </a:p>
+          <a:p>
+            <a:endParaRPr lang="en-US" dirty="0"/>
+          </a:p>
+          <a:p>
+            <a:pPr lvl="1"/>
+            <a:endParaRPr lang="en-US" dirty="0"/>
+          </a:p>
+        </p:txBody>
+      </p:sp>
+      <p:sp>
+        <p:nvSpPr>
+          <p:cNvPr id="4" name="Content Placeholder 2">
+            <a:extLst>
+              <a:ext uri="{FF2B5EF4-FFF2-40B4-BE49-F238E27FC236}">
+                <a16:creationId xmlns:a16="http://schemas.microsoft.com/office/drawing/2014/main" id="{F30B5E25-9838-8C56-8175-5B2DB8AF27E9}"/>
+              </a:ext>
+            </a:extLst>
+          </p:cNvPr>
+          <p:cNvSpPr txBox="1">
+            <a:spLocks/>
+          </p:cNvSpPr>
+          <p:nvPr/>
+        </p:nvSpPr>
+        <p:spPr>
+          <a:xfrm>
+            <a:off x="6882062" y="1830469"/>
+            <a:ext cx="5194433" cy="4820588"/>
+          </a:xfrm>
+          <a:prstGeom prst="rect">
+            <a:avLst/>
+          </a:prstGeom>
+        </p:spPr>
+        <p:txBody>
+          <a:bodyPr vert="horz" lIns="91440" tIns="45720" rIns="91440" bIns="45720" rtlCol="0">
+            <a:normAutofit/>
+          </a:bodyPr>
+          <a:lstStyle>
+            <a:lvl1pPr marL="228600" indent="-228600" algn="l" defTabSz="914400" rtl="0" eaLnBrk="1" latinLnBrk="0" hangingPunct="1">
+              <a:lnSpc>
+                <a:spcPct val="90000"/>
+              </a:lnSpc>
+              <a:spcBef>
+                <a:spcPts val="1000"/>
+              </a:spcBef>
+              <a:buFont typeface="Arial" panose="020B0604020202020204" pitchFamily="34" charset="0"/>
+              <a:buChar char="•"/>
+              <a:defRPr sz="2800" kern="1200">
+                <a:solidFill>
+                  <a:schemeClr val="tx1"/>
+                </a:solidFill>
+                <a:latin typeface="+mn-lt"/>
+                <a:ea typeface="+mn-ea"/>
+                <a:cs typeface="+mn-cs"/>
+              </a:defRPr>
+            </a:lvl1pPr>
+            <a:lvl2pPr marL="685800" indent="-228600" algn="l" defTabSz="914400" rtl="0" eaLnBrk="1" latinLnBrk="0" hangingPunct="1">
+              <a:lnSpc>
+                <a:spcPct val="90000"/>
+              </a:lnSpc>
+              <a:spcBef>
+                <a:spcPts val="500"/>
+              </a:spcBef>
+              <a:buFont typeface="Arial" panose="020B0604020202020204" pitchFamily="34" charset="0"/>
+              <a:buChar char="•"/>
+              <a:defRPr sz="2400" kern="1200">
+                <a:solidFill>
+                  <a:schemeClr val="tx1"/>
+                </a:solidFill>
+                <a:latin typeface="+mn-lt"/>
+                <a:ea typeface="+mn-ea"/>
+                <a:cs typeface="+mn-cs"/>
+              </a:defRPr>
+            </a:lvl2pPr>
+            <a:lvl3pPr marL="1143000" indent="-228600" algn="l" defTabSz="914400" rtl="0" eaLnBrk="1" latinLnBrk="0" hangingPunct="1">
+              <a:lnSpc>
+                <a:spcPct val="90000"/>
+              </a:lnSpc>
+              <a:spcBef>
+                <a:spcPts val="500"/>
+              </a:spcBef>
+              <a:buFont typeface="Arial" panose="020B0604020202020204" pitchFamily="34" charset="0"/>
+              <a:buChar char="•"/>
+              <a:defRPr sz="2000" kern="1200">
+                <a:solidFill>
+                  <a:schemeClr val="tx1"/>
+                </a:solidFill>
+                <a:latin typeface="+mn-lt"/>
+                <a:ea typeface="+mn-ea"/>
+                <a:cs typeface="+mn-cs"/>
+              </a:defRPr>
+            </a:lvl3pPr>
+            <a:lvl4pPr marL="1600200" indent="-228600" algn="l" defTabSz="914400" rtl="0" eaLnBrk="1" latinLnBrk="0" hangingPunct="1">
+              <a:lnSpc>
+                <a:spcPct val="90000"/>
+              </a:lnSpc>
+              <a:spcBef>
+                <a:spcPts val="500"/>
+              </a:spcBef>
+              <a:buFont typeface="Arial" panose="020B0604020202020204" pitchFamily="34" charset="0"/>
+              <a:buChar char="•"/>
+              <a:defRPr sz="1800" kern="1200">
+                <a:solidFill>
+                  <a:schemeClr val="tx1"/>
+                </a:solidFill>
+                <a:latin typeface="+mn-lt"/>
+                <a:ea typeface="+mn-ea"/>
+                <a:cs typeface="+mn-cs"/>
+              </a:defRPr>
+            </a:lvl4pPr>
+            <a:lvl5pPr marL="2057400" indent="-228600" algn="l" defTabSz="914400" rtl="0" eaLnBrk="1" latinLnBrk="0" hangingPunct="1">
+              <a:lnSpc>
+                <a:spcPct val="90000"/>
+              </a:lnSpc>
+              <a:spcBef>
+                <a:spcPts val="500"/>
+              </a:spcBef>
+              <a:buFont typeface="Arial" panose="020B0604020202020204" pitchFamily="34" charset="0"/>
+              <a:buChar char="•"/>
+              <a:defRPr sz="1800" kern="1200">
+                <a:solidFill>
+                  <a:schemeClr val="tx1"/>
+                </a:solidFill>
+                <a:latin typeface="+mn-lt"/>
+                <a:ea typeface="+mn-ea"/>
+                <a:cs typeface="+mn-cs"/>
+              </a:defRPr>
+            </a:lvl5pPr>
+            <a:lvl6pPr marL="2514600" indent="-228600" algn="l" defTabSz="914400" rtl="0" eaLnBrk="1" latinLnBrk="0" hangingPunct="1">
+              <a:lnSpc>
+                <a:spcPct val="90000"/>
+              </a:lnSpc>
+              <a:spcBef>
+                <a:spcPts val="500"/>
+              </a:spcBef>
+              <a:buFont typeface="Arial" panose="020B0604020202020204" pitchFamily="34" charset="0"/>
+              <a:buChar char="•"/>
+              <a:defRPr sz="1800" kern="1200">
+                <a:solidFill>
+                  <a:schemeClr val="tx1"/>
+                </a:solidFill>
+                <a:latin typeface="+mn-lt"/>
+                <a:ea typeface="+mn-ea"/>
+                <a:cs typeface="+mn-cs"/>
+              </a:defRPr>
+            </a:lvl6pPr>
+            <a:lvl7pPr marL="2971800" indent="-228600" algn="l" defTabSz="914400" rtl="0" eaLnBrk="1" latinLnBrk="0" hangingPunct="1">
+              <a:lnSpc>
+                <a:spcPct val="90000"/>
+              </a:lnSpc>
+              <a:spcBef>
+                <a:spcPts val="500"/>
+              </a:spcBef>
+              <a:buFont typeface="Arial" panose="020B0604020202020204" pitchFamily="34" charset="0"/>
+              <a:buChar char="•"/>
+              <a:defRPr sz="1800" kern="1200">
+                <a:solidFill>
+                  <a:schemeClr val="tx1"/>
+                </a:solidFill>
+                <a:latin typeface="+mn-lt"/>
+                <a:ea typeface="+mn-ea"/>
+                <a:cs typeface="+mn-cs"/>
+              </a:defRPr>
+            </a:lvl7pPr>
+            <a:lvl8pPr marL="3429000" indent="-228600" algn="l" defTabSz="914400" rtl="0" eaLnBrk="1" latinLnBrk="0" hangingPunct="1">
+              <a:lnSpc>
+                <a:spcPct val="90000"/>
+              </a:lnSpc>
+              <a:spcBef>
+                <a:spcPts val="500"/>
+              </a:spcBef>
+              <a:buFont typeface="Arial" panose="020B0604020202020204" pitchFamily="34" charset="0"/>
+              <a:buChar char="•"/>
+              <a:defRPr sz="1800" kern="1200">
+                <a:solidFill>
+                  <a:schemeClr val="tx1"/>
+                </a:solidFill>
+                <a:latin typeface="+mn-lt"/>
+                <a:ea typeface="+mn-ea"/>
+                <a:cs typeface="+mn-cs"/>
+              </a:defRPr>
+            </a:lvl8pPr>
+            <a:lvl9pPr marL="3886200" indent="-228600" algn="l" defTabSz="914400" rtl="0" eaLnBrk="1" latinLnBrk="0" hangingPunct="1">
+              <a:lnSpc>
+                <a:spcPct val="90000"/>
+              </a:lnSpc>
+              <a:spcBef>
+                <a:spcPts val="500"/>
+              </a:spcBef>
+              <a:buFont typeface="Arial" panose="020B0604020202020204" pitchFamily="34" charset="0"/>
+              <a:buChar char="•"/>
+              <a:defRPr sz="1800" kern="1200">
+                <a:solidFill>
+                  <a:schemeClr val="tx1"/>
+                </a:solidFill>
+                <a:latin typeface="+mn-lt"/>
+                <a:ea typeface="+mn-ea"/>
+                <a:cs typeface="+mn-cs"/>
+              </a:defRPr>
+            </a:lvl9pPr>
+          </a:lstStyle>
+          <a:p>
+            <a:r>
+              <a:rPr lang="en-US" dirty="0"/>
+              <a:t>S = </a:t>
+            </a:r>
+            <a:r>
+              <a:rPr lang="en-US" dirty="0" err="1"/>
+              <a:t>cA</a:t>
+            </a:r>
+            <a:r>
+              <a:rPr lang="en-US" baseline="30000" dirty="0" err="1"/>
+              <a:t>z</a:t>
+            </a:r>
+            <a:endParaRPr lang="en-US" dirty="0"/>
+          </a:p>
+          <a:p>
+            <a:pPr lvl="1"/>
+            <a:r>
+              <a:rPr lang="en-US" dirty="0"/>
+              <a:t>Z-value of bar plot</a:t>
+            </a:r>
+          </a:p>
+          <a:p>
+            <a:pPr lvl="1"/>
+            <a:r>
+              <a:rPr lang="en-US" dirty="0"/>
+              <a:t>C-value of bar plot</a:t>
+            </a:r>
+          </a:p>
+          <a:p>
+            <a:r>
+              <a:rPr lang="en-US" dirty="0"/>
+              <a:t>What can we put in supplementary figures?</a:t>
+            </a:r>
+          </a:p>
+          <a:p>
+            <a:pPr marL="57150" indent="-285750">
+              <a:lnSpc>
+                <a:spcPct val="110000"/>
+              </a:lnSpc>
+              <a:spcBef>
+                <a:spcPts val="0"/>
+              </a:spcBef>
+            </a:pPr>
+            <a:endParaRPr lang="en-US" sz="2200" dirty="0">
+              <a:solidFill>
+                <a:srgbClr val="000000"/>
+              </a:solidFill>
+              <a:latin typeface="Calibri" panose="020F0502020204030204" pitchFamily="34" charset="0"/>
+            </a:endParaRPr>
           </a:p>
           <a:p>
             <a:endParaRPr lang="en-US" dirty="0"/>
